--- a/schedule/ワンシート企画書変更.pptx
+++ b/schedule/ワンシート企画書変更.pptx
@@ -3280,7 +3280,7 @@
         </p:nvSpPr>
         <p:spPr>
           <a:xfrm rot="464897">
-            <a:off x="-126" y="4904726"/>
+            <a:off x="64528" y="3071708"/>
             <a:ext cx="3053969" cy="523220"/>
           </a:xfrm>
           <a:prstGeom prst="rect">
@@ -3554,8 +3554,12 @@
           <a:lstStyle/>
           <a:p>
             <a:r>
-              <a:rPr lang="en-US" altLang="ja-JP" dirty="0"/>
+              <a:rPr lang="en-US" altLang="ja-JP" dirty="0" smtClean="0"/>
               <a:t>TEAM</a:t>
+            </a:r>
+            <a:r>
+              <a:rPr lang="ja-JP" altLang="en-US" dirty="0" smtClean="0"/>
+              <a:t>　</a:t>
             </a:r>
             <a:r>
               <a:rPr kumimoji="1" lang="en-US" altLang="ja-JP" dirty="0" smtClean="0"/>
@@ -3611,7 +3615,7 @@
         </p:nvSpPr>
         <p:spPr>
           <a:xfrm>
-            <a:off x="7791784" y="3047204"/>
+            <a:off x="7564434" y="4118410"/>
             <a:ext cx="4313057" cy="646331"/>
           </a:xfrm>
           <a:prstGeom prst="rect">
@@ -3726,8 +3730,8 @@
         </p:nvSpPr>
         <p:spPr>
           <a:xfrm>
-            <a:off x="1995055" y="5641000"/>
-            <a:ext cx="9485927" cy="523220"/>
+            <a:off x="7085056" y="1420297"/>
+            <a:ext cx="4926835" cy="954107"/>
           </a:xfrm>
           <a:prstGeom prst="rect">
             <a:avLst/>
@@ -3776,7 +3780,78 @@
                 <a:latin typeface="HGP創英角ﾎﾟｯﾌﾟ体" panose="040B0A00000000000000" pitchFamily="50" charset="-128"/>
                 <a:ea typeface="HGP創英角ﾎﾟｯﾌﾟ体" panose="040B0A00000000000000" pitchFamily="50" charset="-128"/>
               </a:rPr>
-              <a:t>かわいい世界観で、普段ゲームしない人でも簡単に遊べる</a:t>
+              <a:t>かわいい世界観で、普段</a:t>
+            </a:r>
+            <a:r>
+              <a:rPr kumimoji="1" lang="ja-JP" altLang="en-US" sz="2800" b="1" dirty="0" smtClean="0">
+                <a:ln w="19050">
+                  <a:solidFill>
+                    <a:srgbClr val="993300"/>
+                  </a:solidFill>
+                  <a:prstDash val="solid"/>
+                </a:ln>
+                <a:solidFill>
+                  <a:schemeClr val="bg1"/>
+                </a:solidFill>
+                <a:effectLst>
+                  <a:outerShdw blurRad="12700" dist="38100" dir="2700000" algn="tl" rotWithShape="0">
+                    <a:schemeClr val="accent5">
+                      <a:lumMod val="60000"/>
+                      <a:lumOff val="40000"/>
+                    </a:schemeClr>
+                  </a:outerShdw>
+                </a:effectLst>
+                <a:latin typeface="HGP創英角ﾎﾟｯﾌﾟ体" panose="040B0A00000000000000" pitchFamily="50" charset="-128"/>
+                <a:ea typeface="HGP創英角ﾎﾟｯﾌﾟ体" panose="040B0A00000000000000" pitchFamily="50" charset="-128"/>
+              </a:rPr>
+              <a:t>ゲーム</a:t>
+            </a:r>
+            <a:endParaRPr kumimoji="1" lang="en-US" altLang="ja-JP" sz="2800" b="1" dirty="0" smtClean="0">
+              <a:ln w="19050">
+                <a:solidFill>
+                  <a:srgbClr val="993300"/>
+                </a:solidFill>
+                <a:prstDash val="solid"/>
+              </a:ln>
+              <a:solidFill>
+                <a:schemeClr val="bg1"/>
+              </a:solidFill>
+              <a:effectLst>
+                <a:outerShdw blurRad="12700" dist="38100" dir="2700000" algn="tl" rotWithShape="0">
+                  <a:schemeClr val="accent5">
+                    <a:lumMod val="60000"/>
+                    <a:lumOff val="40000"/>
+                  </a:schemeClr>
+                </a:outerShdw>
+              </a:effectLst>
+              <a:latin typeface="HGP創英角ﾎﾟｯﾌﾟ体" panose="040B0A00000000000000" pitchFamily="50" charset="-128"/>
+              <a:ea typeface="HGP創英角ﾎﾟｯﾌﾟ体" panose="040B0A00000000000000" pitchFamily="50" charset="-128"/>
+            </a:endParaRPr>
+          </a:p>
+          <a:p>
+            <a:r>
+              <a:rPr kumimoji="1" lang="ja-JP" altLang="en-US" sz="2800" b="1" dirty="0" smtClean="0">
+                <a:ln w="19050">
+                  <a:solidFill>
+                    <a:srgbClr val="993300"/>
+                  </a:solidFill>
+                  <a:prstDash val="solid"/>
+                </a:ln>
+                <a:solidFill>
+                  <a:schemeClr val="bg1"/>
+                </a:solidFill>
+                <a:effectLst>
+                  <a:outerShdw blurRad="12700" dist="38100" dir="2700000" algn="tl" rotWithShape="0">
+                    <a:schemeClr val="accent5">
+                      <a:lumMod val="60000"/>
+                      <a:lumOff val="40000"/>
+                    </a:schemeClr>
+                  </a:outerShdw>
+                </a:effectLst>
+                <a:latin typeface="HGP創英角ﾎﾟｯﾌﾟ体" panose="040B0A00000000000000" pitchFamily="50" charset="-128"/>
+                <a:ea typeface="HGP創英角ﾎﾟｯﾌﾟ体" panose="040B0A00000000000000" pitchFamily="50" charset="-128"/>
+              </a:rPr>
+              <a:t>しない人でも簡単に遊べる</a:t>
             </a:r>
             <a:endParaRPr kumimoji="1" lang="ja-JP" altLang="en-US" sz="2800" b="1" dirty="0">
               <a:ln w="19050">
@@ -3810,7 +3885,7 @@
         </p:nvSpPr>
         <p:spPr>
           <a:xfrm>
-            <a:off x="2376162" y="1628658"/>
+            <a:off x="1490100" y="3675116"/>
             <a:ext cx="1652661" cy="523220"/>
           </a:xfrm>
           <a:prstGeom prst="rect">
@@ -3905,7 +3980,7 @@
         </p:blipFill>
         <p:spPr>
           <a:xfrm flipH="1">
-            <a:off x="254884" y="3595514"/>
+            <a:off x="27925" y="1739235"/>
             <a:ext cx="1075506" cy="1111760"/>
           </a:xfrm>
           <a:prstGeom prst="rect">
@@ -3935,7 +4010,7 @@
         </p:blipFill>
         <p:spPr>
           <a:xfrm>
-            <a:off x="6547732" y="4291807"/>
+            <a:off x="6449827" y="2695678"/>
             <a:ext cx="1639929" cy="1483224"/>
           </a:xfrm>
           <a:prstGeom prst="rect">
@@ -3951,7 +4026,7 @@
         </p:nvSpPr>
         <p:spPr>
           <a:xfrm rot="476124">
-            <a:off x="1139330" y="4735134"/>
+            <a:off x="1109266" y="2741222"/>
             <a:ext cx="5714542" cy="494623"/>
           </a:xfrm>
           <a:prstGeom prst="rightArrow">
@@ -4003,7 +4078,7 @@
         </p:blipFill>
         <p:spPr>
           <a:xfrm>
-            <a:off x="8316997" y="2060768"/>
+            <a:off x="8254635" y="3108556"/>
             <a:ext cx="3262633" cy="1063467"/>
           </a:xfrm>
           <a:prstGeom prst="rect">
@@ -4033,7 +4108,7 @@
         </p:blipFill>
         <p:spPr>
           <a:xfrm>
-            <a:off x="9253936" y="1498164"/>
+            <a:off x="9261799" y="2598944"/>
             <a:ext cx="1141464" cy="796964"/>
           </a:xfrm>
           <a:prstGeom prst="rect">
@@ -4049,8 +4124,8 @@
         </p:nvSpPr>
         <p:spPr>
           <a:xfrm rot="463328">
-            <a:off x="1900350" y="4469075"/>
-            <a:ext cx="4256944" cy="400110"/>
+            <a:off x="1650846" y="2335071"/>
+            <a:ext cx="4992290" cy="461665"/>
           </a:xfrm>
           <a:prstGeom prst="rect">
             <a:avLst/>
@@ -4064,7 +4139,7 @@
           <a:lstStyle/>
           <a:p>
             <a:r>
-              <a:rPr kumimoji="1" lang="ja-JP" altLang="en-US" sz="2000" b="1" dirty="0" smtClean="0">
+              <a:rPr kumimoji="1" lang="ja-JP" altLang="en-US" sz="2400" b="1" dirty="0" smtClean="0">
                 <a:ln w="9525">
                   <a:solidFill>
                     <a:srgbClr val="993300"/>
@@ -4087,7 +4162,7 @@
               </a:rPr>
               <a:t>檻から出て、お菓子の所まで行く！</a:t>
             </a:r>
-            <a:endParaRPr kumimoji="1" lang="ja-JP" altLang="en-US" sz="2000" b="1" dirty="0">
+            <a:endParaRPr kumimoji="1" lang="ja-JP" altLang="en-US" sz="2400" b="1" dirty="0">
               <a:ln w="9525">
                 <a:solidFill>
                   <a:srgbClr val="993300"/>
@@ -4119,7 +4194,7 @@
         </p:nvSpPr>
         <p:spPr>
           <a:xfrm>
-            <a:off x="4918068" y="4132286"/>
+            <a:off x="3316539" y="3394795"/>
             <a:ext cx="2248314" cy="400110"/>
           </a:xfrm>
           <a:prstGeom prst="rect">
@@ -4199,7 +4274,7 @@
         </p:nvSpPr>
         <p:spPr>
           <a:xfrm>
-            <a:off x="1330391" y="2182489"/>
+            <a:off x="388472" y="4266064"/>
             <a:ext cx="1712068" cy="1938992"/>
           </a:xfrm>
           <a:prstGeom prst="rect">
@@ -4350,7 +4425,7 @@
         </p:nvSpPr>
         <p:spPr>
           <a:xfrm>
-            <a:off x="3318081" y="2185580"/>
+            <a:off x="2376162" y="4269155"/>
             <a:ext cx="3229651" cy="1938992"/>
           </a:xfrm>
           <a:prstGeom prst="rect">
@@ -4516,7 +4591,7 @@
         </p:blipFill>
         <p:spPr>
           <a:xfrm>
-            <a:off x="1636117" y="2507242"/>
+            <a:off x="694198" y="4590817"/>
             <a:ext cx="1681967" cy="1681967"/>
           </a:xfrm>
           <a:prstGeom prst="rect">
@@ -4546,7 +4621,7 @@
         </p:blipFill>
         <p:spPr>
           <a:xfrm>
-            <a:off x="3394611" y="3060725"/>
+            <a:off x="2452692" y="5144300"/>
             <a:ext cx="1094969" cy="756745"/>
           </a:xfrm>
           <a:prstGeom prst="rect">
@@ -4562,7 +4637,7 @@
         </p:nvSpPr>
         <p:spPr>
           <a:xfrm rot="21208938">
-            <a:off x="4746087" y="2907363"/>
+            <a:off x="3804168" y="4990938"/>
             <a:ext cx="1629053" cy="646331"/>
           </a:xfrm>
           <a:prstGeom prst="rect">
@@ -4628,7 +4703,7 @@
         </p:nvSpPr>
         <p:spPr>
           <a:xfrm rot="20804269">
-            <a:off x="4483636" y="2905691"/>
+            <a:off x="3541717" y="4989266"/>
             <a:ext cx="1427299" cy="50026"/>
           </a:xfrm>
           <a:prstGeom prst="flowChartInputOutput">
@@ -4666,7 +4741,7 @@
         </p:nvSpPr>
         <p:spPr>
           <a:xfrm rot="10418054">
-            <a:off x="4660562" y="3505309"/>
+            <a:off x="3718643" y="5588884"/>
             <a:ext cx="1427299" cy="50026"/>
           </a:xfrm>
           <a:prstGeom prst="flowChartInputOutput">
@@ -4718,7 +4793,7 @@
         </p:blipFill>
         <p:spPr>
           <a:xfrm>
-            <a:off x="3381881" y="-321482"/>
+            <a:off x="2038107" y="-457571"/>
             <a:ext cx="5201013" cy="2925570"/>
           </a:xfrm>
           <a:prstGeom prst="rect">
@@ -4748,7 +4823,7 @@
         </p:blipFill>
         <p:spPr>
           <a:xfrm>
-            <a:off x="7760658" y="3795765"/>
+            <a:off x="7009970" y="4991619"/>
             <a:ext cx="2125294" cy="1123645"/>
           </a:xfrm>
           <a:prstGeom prst="rect">
@@ -4778,7 +4853,7 @@
         </p:blipFill>
         <p:spPr>
           <a:xfrm>
-            <a:off x="9956799" y="3795765"/>
+            <a:off x="9465400" y="4988933"/>
             <a:ext cx="2148041" cy="1123645"/>
           </a:xfrm>
           <a:prstGeom prst="rect">

--- a/schedule/ワンシート企画書変更.pptx
+++ b/schedule/ワンシート企画書変更.pptx
@@ -3780,31 +3780,7 @@
                 <a:latin typeface="HGP創英角ﾎﾟｯﾌﾟ体" panose="040B0A00000000000000" pitchFamily="50" charset="-128"/>
                 <a:ea typeface="HGP創英角ﾎﾟｯﾌﾟ体" panose="040B0A00000000000000" pitchFamily="50" charset="-128"/>
               </a:rPr>
-              <a:t>かわいい世界観で、普段</a:t>
-            </a:r>
-            <a:r>
-              <a:rPr kumimoji="1" lang="ja-JP" altLang="en-US" sz="2800" b="1" dirty="0" smtClean="0">
-                <a:ln w="19050">
-                  <a:solidFill>
-                    <a:srgbClr val="993300"/>
-                  </a:solidFill>
-                  <a:prstDash val="solid"/>
-                </a:ln>
-                <a:solidFill>
-                  <a:schemeClr val="bg1"/>
-                </a:solidFill>
-                <a:effectLst>
-                  <a:outerShdw blurRad="12700" dist="38100" dir="2700000" algn="tl" rotWithShape="0">
-                    <a:schemeClr val="accent5">
-                      <a:lumMod val="60000"/>
-                      <a:lumOff val="40000"/>
-                    </a:schemeClr>
-                  </a:outerShdw>
-                </a:effectLst>
-                <a:latin typeface="HGP創英角ﾎﾟｯﾌﾟ体" panose="040B0A00000000000000" pitchFamily="50" charset="-128"/>
-                <a:ea typeface="HGP創英角ﾎﾟｯﾌﾟ体" panose="040B0A00000000000000" pitchFamily="50" charset="-128"/>
-              </a:rPr>
-              <a:t>ゲーム</a:t>
+              <a:t>かわいい世界観で、普段ゲーム</a:t>
             </a:r>
             <a:endParaRPr kumimoji="1" lang="en-US" altLang="ja-JP" sz="2800" b="1" dirty="0" smtClean="0">
               <a:ln w="19050">
@@ -4795,66 +4771,6 @@
           <a:xfrm>
             <a:off x="2038107" y="-457571"/>
             <a:ext cx="5201013" cy="2925570"/>
-          </a:xfrm>
-          <a:prstGeom prst="rect">
-            <a:avLst/>
-          </a:prstGeom>
-        </p:spPr>
-      </p:pic>
-      <p:pic>
-        <p:nvPicPr>
-          <p:cNvPr id="10" name="図 9"/>
-          <p:cNvPicPr>
-            <a:picLocks noChangeAspect="1"/>
-          </p:cNvPicPr>
-          <p:nvPr/>
-        </p:nvPicPr>
-        <p:blipFill>
-          <a:blip r:embed="rId10">
-            <a:extLst>
-              <a:ext uri="{28A0092B-C50C-407E-A947-70E740481C1C}">
-                <a14:useLocalDpi xmlns:a14="http://schemas.microsoft.com/office/drawing/2010/main" val="0"/>
-              </a:ext>
-            </a:extLst>
-          </a:blip>
-          <a:stretch>
-            <a:fillRect/>
-          </a:stretch>
-        </p:blipFill>
-        <p:spPr>
-          <a:xfrm>
-            <a:off x="7009970" y="4991619"/>
-            <a:ext cx="2125294" cy="1123645"/>
-          </a:xfrm>
-          <a:prstGeom prst="rect">
-            <a:avLst/>
-          </a:prstGeom>
-        </p:spPr>
-      </p:pic>
-      <p:pic>
-        <p:nvPicPr>
-          <p:cNvPr id="11" name="図 10"/>
-          <p:cNvPicPr>
-            <a:picLocks noChangeAspect="1"/>
-          </p:cNvPicPr>
-          <p:nvPr/>
-        </p:nvPicPr>
-        <p:blipFill>
-          <a:blip r:embed="rId11" cstate="print">
-            <a:extLst>
-              <a:ext uri="{28A0092B-C50C-407E-A947-70E740481C1C}">
-                <a14:useLocalDpi xmlns:a14="http://schemas.microsoft.com/office/drawing/2010/main" val="0"/>
-              </a:ext>
-            </a:extLst>
-          </a:blip>
-          <a:stretch>
-            <a:fillRect/>
-          </a:stretch>
-        </p:blipFill>
-        <p:spPr>
-          <a:xfrm>
-            <a:off x="9465400" y="4988933"/>
-            <a:ext cx="2148041" cy="1123645"/>
           </a:xfrm>
           <a:prstGeom prst="rect">
             <a:avLst/>

--- a/schedule/ワンシート企画書変更.pptx
+++ b/schedule/ワンシート企画書変更.pptx
@@ -243,7 +243,7 @@
           <a:p>
             <a:fld id="{BBC123B1-0A9E-407F-A707-7F56FF17E2F8}" type="datetimeFigureOut">
               <a:rPr kumimoji="1" lang="ja-JP" altLang="en-US" smtClean="0"/>
-              <a:t>2020/10/20</a:t>
+              <a:t>2020/10/21</a:t>
             </a:fld>
             <a:endParaRPr kumimoji="1" lang="ja-JP" altLang="en-US"/>
           </a:p>
@@ -445,7 +445,7 @@
           <a:p>
             <a:fld id="{BBC123B1-0A9E-407F-A707-7F56FF17E2F8}" type="datetimeFigureOut">
               <a:rPr kumimoji="1" lang="ja-JP" altLang="en-US" smtClean="0"/>
-              <a:t>2020/10/20</a:t>
+              <a:t>2020/10/21</a:t>
             </a:fld>
             <a:endParaRPr kumimoji="1" lang="ja-JP" altLang="en-US"/>
           </a:p>
@@ -657,7 +657,7 @@
           <a:p>
             <a:fld id="{BBC123B1-0A9E-407F-A707-7F56FF17E2F8}" type="datetimeFigureOut">
               <a:rPr kumimoji="1" lang="ja-JP" altLang="en-US" smtClean="0"/>
-              <a:t>2020/10/20</a:t>
+              <a:t>2020/10/21</a:t>
             </a:fld>
             <a:endParaRPr kumimoji="1" lang="ja-JP" altLang="en-US"/>
           </a:p>
@@ -859,7 +859,7 @@
           <a:p>
             <a:fld id="{BBC123B1-0A9E-407F-A707-7F56FF17E2F8}" type="datetimeFigureOut">
               <a:rPr kumimoji="1" lang="ja-JP" altLang="en-US" smtClean="0"/>
-              <a:t>2020/10/20</a:t>
+              <a:t>2020/10/21</a:t>
             </a:fld>
             <a:endParaRPr kumimoji="1" lang="ja-JP" altLang="en-US"/>
           </a:p>
@@ -1105,7 +1105,7 @@
           <a:p>
             <a:fld id="{BBC123B1-0A9E-407F-A707-7F56FF17E2F8}" type="datetimeFigureOut">
               <a:rPr kumimoji="1" lang="ja-JP" altLang="en-US" smtClean="0"/>
-              <a:t>2020/10/20</a:t>
+              <a:t>2020/10/21</a:t>
             </a:fld>
             <a:endParaRPr kumimoji="1" lang="ja-JP" altLang="en-US"/>
           </a:p>
@@ -1401,7 +1401,7 @@
           <a:p>
             <a:fld id="{BBC123B1-0A9E-407F-A707-7F56FF17E2F8}" type="datetimeFigureOut">
               <a:rPr kumimoji="1" lang="ja-JP" altLang="en-US" smtClean="0"/>
-              <a:t>2020/10/20</a:t>
+              <a:t>2020/10/21</a:t>
             </a:fld>
             <a:endParaRPr kumimoji="1" lang="ja-JP" altLang="en-US"/>
           </a:p>
@@ -1832,7 +1832,7 @@
           <a:p>
             <a:fld id="{BBC123B1-0A9E-407F-A707-7F56FF17E2F8}" type="datetimeFigureOut">
               <a:rPr kumimoji="1" lang="ja-JP" altLang="en-US" smtClean="0"/>
-              <a:t>2020/10/20</a:t>
+              <a:t>2020/10/21</a:t>
             </a:fld>
             <a:endParaRPr kumimoji="1" lang="ja-JP" altLang="en-US"/>
           </a:p>
@@ -1950,7 +1950,7 @@
           <a:p>
             <a:fld id="{BBC123B1-0A9E-407F-A707-7F56FF17E2F8}" type="datetimeFigureOut">
               <a:rPr kumimoji="1" lang="ja-JP" altLang="en-US" smtClean="0"/>
-              <a:t>2020/10/20</a:t>
+              <a:t>2020/10/21</a:t>
             </a:fld>
             <a:endParaRPr kumimoji="1" lang="ja-JP" altLang="en-US"/>
           </a:p>
@@ -2045,7 +2045,7 @@
           <a:p>
             <a:fld id="{BBC123B1-0A9E-407F-A707-7F56FF17E2F8}" type="datetimeFigureOut">
               <a:rPr kumimoji="1" lang="ja-JP" altLang="en-US" smtClean="0"/>
-              <a:t>2020/10/20</a:t>
+              <a:t>2020/10/21</a:t>
             </a:fld>
             <a:endParaRPr kumimoji="1" lang="ja-JP" altLang="en-US"/>
           </a:p>
@@ -2354,7 +2354,7 @@
           <a:p>
             <a:fld id="{BBC123B1-0A9E-407F-A707-7F56FF17E2F8}" type="datetimeFigureOut">
               <a:rPr kumimoji="1" lang="ja-JP" altLang="en-US" smtClean="0"/>
-              <a:t>2020/10/20</a:t>
+              <a:t>2020/10/21</a:t>
             </a:fld>
             <a:endParaRPr kumimoji="1" lang="ja-JP" altLang="en-US"/>
           </a:p>
@@ -2607,7 +2607,7 @@
           <a:p>
             <a:fld id="{BBC123B1-0A9E-407F-A707-7F56FF17E2F8}" type="datetimeFigureOut">
               <a:rPr kumimoji="1" lang="ja-JP" altLang="en-US" smtClean="0"/>
-              <a:t>2020/10/20</a:t>
+              <a:t>2020/10/21</a:t>
             </a:fld>
             <a:endParaRPr kumimoji="1" lang="ja-JP" altLang="en-US"/>
           </a:p>
@@ -2852,7 +2852,7 @@
           <a:p>
             <a:fld id="{BBC123B1-0A9E-407F-A707-7F56FF17E2F8}" type="datetimeFigureOut">
               <a:rPr kumimoji="1" lang="ja-JP" altLang="en-US" smtClean="0"/>
-              <a:t>2020/10/20</a:t>
+              <a:t>2020/10/21</a:t>
             </a:fld>
             <a:endParaRPr kumimoji="1" lang="ja-JP" altLang="en-US"/>
           </a:p>
